--- a/docs/presentation.pptx
+++ b/docs/presentation.pptx
@@ -297,7 +297,7 @@
           <a:p>
             <a:fld id="{050D2F5F-B01A-7A4E-97A3-9FC326B92AAA}" type="datetimeFigureOut">
               <a:rPr lang="en-US" smtClean="0"/>
-              <a:t>11/12/19</a:t>
+              <a:t>12/12/19</a:t>
             </a:fld>
             <a:endParaRPr lang="en-US"/>
           </a:p>
@@ -467,7 +467,7 @@
           <a:p>
             <a:fld id="{050D2F5F-B01A-7A4E-97A3-9FC326B92AAA}" type="datetimeFigureOut">
               <a:rPr lang="en-US" smtClean="0"/>
-              <a:t>11/12/19</a:t>
+              <a:t>12/12/19</a:t>
             </a:fld>
             <a:endParaRPr lang="en-US"/>
           </a:p>
@@ -647,7 +647,7 @@
           <a:p>
             <a:fld id="{050D2F5F-B01A-7A4E-97A3-9FC326B92AAA}" type="datetimeFigureOut">
               <a:rPr lang="en-US" smtClean="0"/>
-              <a:t>11/12/19</a:t>
+              <a:t>12/12/19</a:t>
             </a:fld>
             <a:endParaRPr lang="en-US"/>
           </a:p>
@@ -817,7 +817,7 @@
           <a:p>
             <a:fld id="{050D2F5F-B01A-7A4E-97A3-9FC326B92AAA}" type="datetimeFigureOut">
               <a:rPr lang="en-US" smtClean="0"/>
-              <a:t>11/12/19</a:t>
+              <a:t>12/12/19</a:t>
             </a:fld>
             <a:endParaRPr lang="en-US"/>
           </a:p>
@@ -1063,7 +1063,7 @@
           <a:p>
             <a:fld id="{050D2F5F-B01A-7A4E-97A3-9FC326B92AAA}" type="datetimeFigureOut">
               <a:rPr lang="en-US" smtClean="0"/>
-              <a:t>11/12/19</a:t>
+              <a:t>12/12/19</a:t>
             </a:fld>
             <a:endParaRPr lang="en-US"/>
           </a:p>
@@ -1351,7 +1351,7 @@
           <a:p>
             <a:fld id="{050D2F5F-B01A-7A4E-97A3-9FC326B92AAA}" type="datetimeFigureOut">
               <a:rPr lang="en-US" smtClean="0"/>
-              <a:t>11/12/19</a:t>
+              <a:t>12/12/19</a:t>
             </a:fld>
             <a:endParaRPr lang="en-US"/>
           </a:p>
@@ -1773,7 +1773,7 @@
           <a:p>
             <a:fld id="{050D2F5F-B01A-7A4E-97A3-9FC326B92AAA}" type="datetimeFigureOut">
               <a:rPr lang="en-US" smtClean="0"/>
-              <a:t>11/12/19</a:t>
+              <a:t>12/12/19</a:t>
             </a:fld>
             <a:endParaRPr lang="en-US"/>
           </a:p>
@@ -1891,7 +1891,7 @@
           <a:p>
             <a:fld id="{050D2F5F-B01A-7A4E-97A3-9FC326B92AAA}" type="datetimeFigureOut">
               <a:rPr lang="en-US" smtClean="0"/>
-              <a:t>11/12/19</a:t>
+              <a:t>12/12/19</a:t>
             </a:fld>
             <a:endParaRPr lang="en-US"/>
           </a:p>
@@ -1986,7 +1986,7 @@
           <a:p>
             <a:fld id="{050D2F5F-B01A-7A4E-97A3-9FC326B92AAA}" type="datetimeFigureOut">
               <a:rPr lang="en-US" smtClean="0"/>
-              <a:t>11/12/19</a:t>
+              <a:t>12/12/19</a:t>
             </a:fld>
             <a:endParaRPr lang="en-US"/>
           </a:p>
@@ -2263,7 +2263,7 @@
           <a:p>
             <a:fld id="{050D2F5F-B01A-7A4E-97A3-9FC326B92AAA}" type="datetimeFigureOut">
               <a:rPr lang="en-US" smtClean="0"/>
-              <a:t>11/12/19</a:t>
+              <a:t>12/12/19</a:t>
             </a:fld>
             <a:endParaRPr lang="en-US"/>
           </a:p>
@@ -2516,7 +2516,7 @@
           <a:p>
             <a:fld id="{050D2F5F-B01A-7A4E-97A3-9FC326B92AAA}" type="datetimeFigureOut">
               <a:rPr lang="en-US" smtClean="0"/>
-              <a:t>11/12/19</a:t>
+              <a:t>12/12/19</a:t>
             </a:fld>
             <a:endParaRPr lang="en-US"/>
           </a:p>
@@ -2729,7 +2729,7 @@
           <a:p>
             <a:fld id="{050D2F5F-B01A-7A4E-97A3-9FC326B92AAA}" type="datetimeFigureOut">
               <a:rPr lang="en-US" smtClean="0"/>
-              <a:t>11/12/19</a:t>
+              <a:t>12/12/19</a:t>
             </a:fld>
             <a:endParaRPr lang="en-US"/>
           </a:p>
@@ -3129,15 +3129,7 @@
             </a:r>
             <a:r>
               <a:rPr lang="en-US" dirty="0" smtClean="0"/>
-              <a:t>udoku web app in </a:t>
-            </a:r>
-            <a:r>
-              <a:rPr lang="en-US" u="sng" dirty="0" smtClean="0"/>
-              <a:t>vanilla</a:t>
-            </a:r>
-            <a:r>
-              <a:rPr lang="en-US" dirty="0" smtClean="0"/>
-              <a:t> JavaScript</a:t>
+              <a:t>udoku web app in vanilla JavaScript</a:t>
             </a:r>
             <a:endParaRPr lang="en-US" dirty="0"/>
           </a:p>
@@ -3162,44 +3154,35 @@
           <a:p>
             <a:r>
               <a:rPr lang="en-US" dirty="0" smtClean="0"/>
-              <a:t>Without</a:t>
-            </a:r>
-            <a:r>
-              <a:rPr lang="en-US" dirty="0" smtClean="0"/>
-              <a:t> front</a:t>
-            </a:r>
-            <a:r>
-              <a:rPr lang="en-US" dirty="0" smtClean="0"/>
-              <a:t>-end frameworks, </a:t>
-            </a:r>
-            <a:endParaRPr lang="en-US" dirty="0" smtClean="0"/>
-          </a:p>
-          <a:p>
-            <a:r>
-              <a:rPr lang="en-US" dirty="0" smtClean="0"/>
-              <a:t>CSS libraries</a:t>
-            </a:r>
-            <a:r>
-              <a:rPr lang="en-US" dirty="0" smtClean="0"/>
-              <a:t>, </a:t>
-            </a:r>
-            <a:r>
-              <a:rPr lang="en-US" dirty="0" smtClean="0"/>
-              <a:t>jQuery</a:t>
-            </a:r>
-            <a:r>
-              <a:rPr lang="en-US" dirty="0" smtClean="0"/>
-              <a:t>,</a:t>
-            </a:r>
-          </a:p>
-          <a:p>
-            <a:r>
-              <a:rPr lang="en-US" dirty="0" smtClean="0"/>
-              <a:t>nor a </a:t>
-            </a:r>
-            <a:r>
-              <a:rPr lang="en-US" dirty="0" smtClean="0"/>
-              <a:t>back</a:t>
+              <a:t>No</a:t>
+            </a:r>
+            <a:r>
+              <a:rPr lang="en-US" dirty="0" smtClean="0"/>
+              <a:t> </a:t>
+            </a:r>
+            <a:r>
+              <a:rPr lang="en-US" dirty="0" smtClean="0"/>
+              <a:t>front-end frameworks, </a:t>
+            </a:r>
+          </a:p>
+          <a:p>
+            <a:r>
+              <a:rPr lang="en-US" dirty="0" smtClean="0"/>
+              <a:t>CSS libraries, jQuery,</a:t>
+            </a:r>
+          </a:p>
+          <a:p>
+            <a:r>
+              <a:rPr lang="en-US" dirty="0"/>
+              <a:t>o</a:t>
+            </a:r>
+            <a:r>
+              <a:rPr lang="en-US" dirty="0" smtClean="0"/>
+              <a:t>r b</a:t>
+            </a:r>
+            <a:r>
+              <a:rPr lang="en-US" dirty="0" smtClean="0"/>
+              <a:t>ack</a:t>
             </a:r>
             <a:r>
               <a:rPr lang="en-US" dirty="0" smtClean="0"/>
@@ -3398,17 +3381,8 @@
             </a:pPr>
             <a:r>
               <a:rPr lang="en-US" sz="4000" dirty="0" smtClean="0"/>
-              <a:t>Why </a:t>
-            </a:r>
-            <a:r>
-              <a:rPr lang="en-US" sz="4000" dirty="0" smtClean="0"/>
-              <a:t>all </a:t>
-            </a:r>
-            <a:r>
-              <a:rPr lang="en-US" sz="4000" dirty="0" smtClean="0"/>
-              <a:t>the constraints?</a:t>
-            </a:r>
-            <a:endParaRPr lang="en-US" sz="4000" dirty="0" smtClean="0"/>
+              <a:t>Why all the constraints?</a:t>
+            </a:r>
           </a:p>
           <a:p>
             <a:pPr marL="514350" indent="-514350">
@@ -3417,19 +3391,7 @@
             </a:pPr>
             <a:r>
               <a:rPr lang="en-US" sz="4000" dirty="0" smtClean="0"/>
-              <a:t>What does </a:t>
-            </a:r>
-            <a:r>
-              <a:rPr lang="en-US" sz="4000" dirty="0" smtClean="0"/>
-              <a:t>the app</a:t>
-            </a:r>
-            <a:r>
-              <a:rPr lang="en-US" sz="4000" dirty="0" smtClean="0"/>
-              <a:t> </a:t>
-            </a:r>
-            <a:r>
-              <a:rPr lang="en-US" sz="4000" dirty="0" smtClean="0"/>
-              <a:t>look like?</a:t>
+              <a:t>What does the app look like?</a:t>
             </a:r>
           </a:p>
           <a:p>
@@ -3439,11 +3401,7 @@
             </a:pPr>
             <a:r>
               <a:rPr lang="en-US" sz="4000" dirty="0" smtClean="0"/>
-              <a:t>How does it work</a:t>
-            </a:r>
-            <a:r>
-              <a:rPr lang="en-US" sz="4000" dirty="0" smtClean="0"/>
-              <a:t>?</a:t>
+              <a:t>How does it work?</a:t>
             </a:r>
           </a:p>
           <a:p>
@@ -3674,7 +3632,6 @@
               <a:rPr lang="en-US" dirty="0" smtClean="0"/>
               <a:t>) - focus on features that don’t need a back-end.</a:t>
             </a:r>
-            <a:endParaRPr lang="en-US" dirty="0" smtClean="0"/>
           </a:p>
           <a:p>
             <a:pPr marL="0" indent="0">
@@ -4019,23 +3976,11 @@
             </a:r>
             <a:r>
               <a:rPr lang="en-US" dirty="0" smtClean="0"/>
-              <a:t>. The</a:t>
-            </a:r>
-            <a:r>
-              <a:rPr lang="en-US" dirty="0" smtClean="0"/>
-              <a:t> JavaScript modules </a:t>
-            </a:r>
-            <a:r>
-              <a:rPr lang="en-US" dirty="0" smtClean="0"/>
-              <a:t>in </a:t>
+              <a:t>. The JavaScript modules in </a:t>
             </a:r>
             <a:r>
               <a:rPr lang="en-US" dirty="0" err="1" smtClean="0"/>
-              <a:t>app</a:t>
-            </a:r>
-            <a:r>
-              <a:rPr lang="en-US" dirty="0" err="1" smtClean="0"/>
-              <a:t>.js</a:t>
+              <a:t>app.js</a:t>
             </a:r>
             <a:r>
               <a:rPr lang="en-US" dirty="0" smtClean="0"/>
@@ -4049,23 +3994,7 @@
             </a:pPr>
             <a:r>
               <a:rPr lang="en-US" dirty="0" smtClean="0"/>
-              <a:t>Generate </a:t>
-            </a:r>
-            <a:r>
-              <a:rPr lang="en-US" dirty="0" smtClean="0"/>
-              <a:t>a </a:t>
-            </a:r>
-            <a:r>
-              <a:rPr lang="en-US" dirty="0" smtClean="0"/>
-              <a:t>puzzle, i.e. the</a:t>
-            </a:r>
-            <a:r>
-              <a:rPr lang="en-US" dirty="0" smtClean="0"/>
-              <a:t> set of initial ‘clues’ that help you complete the puzzle</a:t>
-            </a:r>
-            <a:r>
-              <a:rPr lang="en-US" dirty="0" smtClean="0"/>
-              <a:t>.</a:t>
+              <a:t>Generate a puzzle, i.e. the set of initial ‘clues’ that help you complete the puzzle.</a:t>
             </a:r>
           </a:p>
           <a:p>
@@ -4075,11 +4004,7 @@
             </a:pPr>
             <a:r>
               <a:rPr lang="en-US" dirty="0" smtClean="0"/>
-              <a:t>Draw </a:t>
-            </a:r>
-            <a:r>
-              <a:rPr lang="en-US" dirty="0" smtClean="0"/>
-              <a:t>the </a:t>
+              <a:t>Draw the </a:t>
             </a:r>
             <a:r>
               <a:rPr lang="en-US" dirty="0"/>
@@ -4087,13 +4012,8 @@
             </a:r>
             <a:r>
               <a:rPr lang="en-US" dirty="0" smtClean="0"/>
-              <a:t>oard on the screen and populate it with the </a:t>
-            </a:r>
-            <a:r>
-              <a:rPr lang="en-US" dirty="0" smtClean="0"/>
-              <a:t>clues.</a:t>
-            </a:r>
-            <a:endParaRPr lang="en-US" dirty="0" smtClean="0"/>
+              <a:t>oard on the screen and populate it with the clues.</a:t>
+            </a:r>
           </a:p>
           <a:p>
             <a:pPr marL="514350" indent="-514350">
@@ -4114,31 +4034,7 @@
             </a:r>
             <a:r>
               <a:rPr lang="en-GB" dirty="0" smtClean="0"/>
-              <a:t> (</a:t>
-            </a:r>
-            <a:r>
-              <a:rPr lang="en-GB" dirty="0" smtClean="0"/>
-              <a:t>1)</a:t>
-            </a:r>
-            <a:r>
-              <a:rPr lang="en-GB" dirty="0" smtClean="0"/>
-              <a:t> </a:t>
-            </a:r>
-            <a:r>
-              <a:rPr lang="en-GB" dirty="0" smtClean="0"/>
-              <a:t>if you finish </a:t>
-            </a:r>
-            <a:r>
-              <a:rPr lang="en-GB" dirty="0" smtClean="0"/>
-              <a:t>the puzzle or </a:t>
-            </a:r>
-            <a:r>
-              <a:rPr lang="en-GB" dirty="0" smtClean="0"/>
-              <a:t>click ‘New game</a:t>
-            </a:r>
-            <a:r>
-              <a:rPr lang="en-GB" dirty="0" smtClean="0"/>
-              <a:t>’.</a:t>
+              <a:t> (1) if you finish the puzzle or click ‘New game’.</a:t>
             </a:r>
             <a:endParaRPr lang="en-US" dirty="0" smtClean="0"/>
           </a:p>
